--- a/UIPrototype/UI.pptx
+++ b/UIPrototype/UI.pptx
@@ -104,6 +104,11 @@
       </a:defRPr>
     </a:lvl9pPr>
   </p:defaultTextStyle>
+  <p:extLst>
+    <p:ext uri="{EFAFB233-063F-42B5-8137-9DF3F51BA10A}">
+      <p15:sldGuideLst xmlns:p15="http://schemas.microsoft.com/office/powerpoint/2012/main"/>
+    </p:ext>
+  </p:extLst>
 </p:presentation>
 </file>
 
@@ -254,7 +259,7 @@
           <a:p>
             <a:fld id="{A10C43BA-0935-4D80-B0E0-DD5DC342E117}" type="datetimeFigureOut">
               <a:rPr lang="zh-CN" altLang="en-US" smtClean="0"/>
-              <a:t>2022/9/16</a:t>
+              <a:t>2022/9/19</a:t>
             </a:fld>
             <a:endParaRPr lang="zh-CN" altLang="en-US"/>
           </a:p>
@@ -452,7 +457,7 @@
           <a:p>
             <a:fld id="{A10C43BA-0935-4D80-B0E0-DD5DC342E117}" type="datetimeFigureOut">
               <a:rPr lang="zh-CN" altLang="en-US" smtClean="0"/>
-              <a:t>2022/9/16</a:t>
+              <a:t>2022/9/19</a:t>
             </a:fld>
             <a:endParaRPr lang="zh-CN" altLang="en-US"/>
           </a:p>
@@ -660,7 +665,7 @@
           <a:p>
             <a:fld id="{A10C43BA-0935-4D80-B0E0-DD5DC342E117}" type="datetimeFigureOut">
               <a:rPr lang="zh-CN" altLang="en-US" smtClean="0"/>
-              <a:t>2022/9/16</a:t>
+              <a:t>2022/9/19</a:t>
             </a:fld>
             <a:endParaRPr lang="zh-CN" altLang="en-US"/>
           </a:p>
@@ -858,7 +863,7 @@
           <a:p>
             <a:fld id="{A10C43BA-0935-4D80-B0E0-DD5DC342E117}" type="datetimeFigureOut">
               <a:rPr lang="zh-CN" altLang="en-US" smtClean="0"/>
-              <a:t>2022/9/16</a:t>
+              <a:t>2022/9/19</a:t>
             </a:fld>
             <a:endParaRPr lang="zh-CN" altLang="en-US"/>
           </a:p>
@@ -1133,7 +1138,7 @@
           <a:p>
             <a:fld id="{A10C43BA-0935-4D80-B0E0-DD5DC342E117}" type="datetimeFigureOut">
               <a:rPr lang="zh-CN" altLang="en-US" smtClean="0"/>
-              <a:t>2022/9/16</a:t>
+              <a:t>2022/9/19</a:t>
             </a:fld>
             <a:endParaRPr lang="zh-CN" altLang="en-US"/>
           </a:p>
@@ -1398,7 +1403,7 @@
           <a:p>
             <a:fld id="{A10C43BA-0935-4D80-B0E0-DD5DC342E117}" type="datetimeFigureOut">
               <a:rPr lang="zh-CN" altLang="en-US" smtClean="0"/>
-              <a:t>2022/9/16</a:t>
+              <a:t>2022/9/19</a:t>
             </a:fld>
             <a:endParaRPr lang="zh-CN" altLang="en-US"/>
           </a:p>
@@ -1810,7 +1815,7 @@
           <a:p>
             <a:fld id="{A10C43BA-0935-4D80-B0E0-DD5DC342E117}" type="datetimeFigureOut">
               <a:rPr lang="zh-CN" altLang="en-US" smtClean="0"/>
-              <a:t>2022/9/16</a:t>
+              <a:t>2022/9/19</a:t>
             </a:fld>
             <a:endParaRPr lang="zh-CN" altLang="en-US"/>
           </a:p>
@@ -1951,7 +1956,7 @@
           <a:p>
             <a:fld id="{A10C43BA-0935-4D80-B0E0-DD5DC342E117}" type="datetimeFigureOut">
               <a:rPr lang="zh-CN" altLang="en-US" smtClean="0"/>
-              <a:t>2022/9/16</a:t>
+              <a:t>2022/9/19</a:t>
             </a:fld>
             <a:endParaRPr lang="zh-CN" altLang="en-US"/>
           </a:p>
@@ -2064,7 +2069,7 @@
           <a:p>
             <a:fld id="{A10C43BA-0935-4D80-B0E0-DD5DC342E117}" type="datetimeFigureOut">
               <a:rPr lang="zh-CN" altLang="en-US" smtClean="0"/>
-              <a:t>2022/9/16</a:t>
+              <a:t>2022/9/19</a:t>
             </a:fld>
             <a:endParaRPr lang="zh-CN" altLang="en-US"/>
           </a:p>
@@ -2375,7 +2380,7 @@
           <a:p>
             <a:fld id="{A10C43BA-0935-4D80-B0E0-DD5DC342E117}" type="datetimeFigureOut">
               <a:rPr lang="zh-CN" altLang="en-US" smtClean="0"/>
-              <a:t>2022/9/16</a:t>
+              <a:t>2022/9/19</a:t>
             </a:fld>
             <a:endParaRPr lang="zh-CN" altLang="en-US"/>
           </a:p>
@@ -2663,7 +2668,7 @@
           <a:p>
             <a:fld id="{A10C43BA-0935-4D80-B0E0-DD5DC342E117}" type="datetimeFigureOut">
               <a:rPr lang="zh-CN" altLang="en-US" smtClean="0"/>
-              <a:t>2022/9/16</a:t>
+              <a:t>2022/9/19</a:t>
             </a:fld>
             <a:endParaRPr lang="zh-CN" altLang="en-US"/>
           </a:p>
@@ -2904,7 +2909,7 @@
           <a:p>
             <a:fld id="{A10C43BA-0935-4D80-B0E0-DD5DC342E117}" type="datetimeFigureOut">
               <a:rPr lang="zh-CN" altLang="en-US" smtClean="0"/>
-              <a:t>2022/9/16</a:t>
+              <a:t>2022/9/19</a:t>
             </a:fld>
             <a:endParaRPr lang="zh-CN" altLang="en-US"/>
           </a:p>
@@ -3515,8 +3520,8 @@
         </p:nvSpPr>
         <p:spPr>
           <a:xfrm>
-            <a:off x="6986399" y="898511"/>
-            <a:ext cx="1066800" cy="401273"/>
+            <a:off x="6917653" y="933331"/>
+            <a:ext cx="801503" cy="331631"/>
           </a:xfrm>
           <a:prstGeom prst="roundRect">
             <a:avLst/>
@@ -3599,224 +3604,6 @@
           </a:p>
         </p:txBody>
       </p:sp>
-      <p:grpSp>
-        <p:nvGrpSpPr>
-          <p:cNvPr id="32" name="组合 31">
-            <a:extLst>
-              <a:ext uri="{FF2B5EF4-FFF2-40B4-BE49-F238E27FC236}">
-                <a16:creationId xmlns:a16="http://schemas.microsoft.com/office/drawing/2014/main" id="{4292A6F1-895A-4C37-9730-1A0E6C4D1EA1}"/>
-              </a:ext>
-            </a:extLst>
-          </p:cNvPr>
-          <p:cNvGrpSpPr/>
-          <p:nvPr/>
-        </p:nvGrpSpPr>
-        <p:grpSpPr>
-          <a:xfrm>
-            <a:off x="2325034" y="1941388"/>
-            <a:ext cx="3518714" cy="2925065"/>
-            <a:chOff x="2266379" y="1309911"/>
-            <a:chExt cx="3518714" cy="2925065"/>
-          </a:xfrm>
-        </p:grpSpPr>
-        <p:sp>
-          <p:nvSpPr>
-            <p:cNvPr id="29" name="矩形 28">
-              <a:extLst>
-                <a:ext uri="{FF2B5EF4-FFF2-40B4-BE49-F238E27FC236}">
-                  <a16:creationId xmlns:a16="http://schemas.microsoft.com/office/drawing/2014/main" id="{053A971E-D851-4D52-8F91-D06E30FA51EA}"/>
-                </a:ext>
-              </a:extLst>
-            </p:cNvPr>
-            <p:cNvSpPr/>
-            <p:nvPr/>
-          </p:nvSpPr>
-          <p:spPr>
-            <a:xfrm>
-              <a:off x="2266379" y="1309911"/>
-              <a:ext cx="3518714" cy="2639036"/>
-            </a:xfrm>
-            <a:prstGeom prst="rect">
-              <a:avLst/>
-            </a:prstGeom>
-          </p:spPr>
-          <p:style>
-            <a:lnRef idx="2">
-              <a:schemeClr val="accent5"/>
-            </a:lnRef>
-            <a:fillRef idx="1">
-              <a:schemeClr val="lt1"/>
-            </a:fillRef>
-            <a:effectRef idx="0">
-              <a:schemeClr val="accent5"/>
-            </a:effectRef>
-            <a:fontRef idx="minor">
-              <a:schemeClr val="dk1"/>
-            </a:fontRef>
-          </p:style>
-          <p:txBody>
-            <a:bodyPr rtlCol="0" anchor="ctr"/>
-            <a:lstStyle/>
-            <a:p>
-              <a:pPr algn="ctr"/>
-              <a:endParaRPr lang="zh-CN" altLang="en-US"/>
-            </a:p>
-          </p:txBody>
-        </p:sp>
-        <p:sp>
-          <p:nvSpPr>
-            <p:cNvPr id="14" name="矩形 13">
-              <a:extLst>
-                <a:ext uri="{FF2B5EF4-FFF2-40B4-BE49-F238E27FC236}">
-                  <a16:creationId xmlns:a16="http://schemas.microsoft.com/office/drawing/2014/main" id="{C5D24C28-4C78-4F2D-A32E-FF0A21D72286}"/>
-                </a:ext>
-              </a:extLst>
-            </p:cNvPr>
-            <p:cNvSpPr/>
-            <p:nvPr/>
-          </p:nvSpPr>
-          <p:spPr>
-            <a:xfrm>
-              <a:off x="2266379" y="1595940"/>
-              <a:ext cx="3518714" cy="2639036"/>
-            </a:xfrm>
-            <a:prstGeom prst="rect">
-              <a:avLst/>
-            </a:prstGeom>
-          </p:spPr>
-          <p:style>
-            <a:lnRef idx="2">
-              <a:schemeClr val="accent5"/>
-            </a:lnRef>
-            <a:fillRef idx="1">
-              <a:schemeClr val="lt1"/>
-            </a:fillRef>
-            <a:effectRef idx="0">
-              <a:schemeClr val="accent5"/>
-            </a:effectRef>
-            <a:fontRef idx="minor">
-              <a:schemeClr val="dk1"/>
-            </a:fontRef>
-          </p:style>
-          <p:txBody>
-            <a:bodyPr rtlCol="0" anchor="ctr"/>
-            <a:lstStyle/>
-            <a:p>
-              <a:pPr algn="ctr"/>
-              <a:endParaRPr lang="zh-CN" altLang="en-US"/>
-            </a:p>
-          </p:txBody>
-        </p:sp>
-      </p:grpSp>
-      <p:grpSp>
-        <p:nvGrpSpPr>
-          <p:cNvPr id="31" name="组合 30">
-            <a:extLst>
-              <a:ext uri="{FF2B5EF4-FFF2-40B4-BE49-F238E27FC236}">
-                <a16:creationId xmlns:a16="http://schemas.microsoft.com/office/drawing/2014/main" id="{55F91BF0-42D4-4079-B9E9-C191DA273F12}"/>
-              </a:ext>
-            </a:extLst>
-          </p:cNvPr>
-          <p:cNvGrpSpPr/>
-          <p:nvPr/>
-        </p:nvGrpSpPr>
-        <p:grpSpPr>
-          <a:xfrm>
-            <a:off x="6154655" y="1941388"/>
-            <a:ext cx="3518714" cy="2925065"/>
-            <a:chOff x="6096000" y="1309911"/>
-            <a:chExt cx="3518714" cy="2925065"/>
-          </a:xfrm>
-        </p:grpSpPr>
-        <p:sp>
-          <p:nvSpPr>
-            <p:cNvPr id="30" name="矩形 29">
-              <a:extLst>
-                <a:ext uri="{FF2B5EF4-FFF2-40B4-BE49-F238E27FC236}">
-                  <a16:creationId xmlns:a16="http://schemas.microsoft.com/office/drawing/2014/main" id="{A608D1CE-D07A-4BE8-9D5F-9256F2251317}"/>
-                </a:ext>
-              </a:extLst>
-            </p:cNvPr>
-            <p:cNvSpPr/>
-            <p:nvPr/>
-          </p:nvSpPr>
-          <p:spPr>
-            <a:xfrm>
-              <a:off x="6096000" y="1309911"/>
-              <a:ext cx="3518714" cy="2639036"/>
-            </a:xfrm>
-            <a:prstGeom prst="rect">
-              <a:avLst/>
-            </a:prstGeom>
-          </p:spPr>
-          <p:style>
-            <a:lnRef idx="2">
-              <a:schemeClr val="accent2"/>
-            </a:lnRef>
-            <a:fillRef idx="1">
-              <a:schemeClr val="lt1"/>
-            </a:fillRef>
-            <a:effectRef idx="0">
-              <a:schemeClr val="accent2"/>
-            </a:effectRef>
-            <a:fontRef idx="minor">
-              <a:schemeClr val="dk1"/>
-            </a:fontRef>
-          </p:style>
-          <p:txBody>
-            <a:bodyPr rtlCol="0" anchor="ctr"/>
-            <a:lstStyle/>
-            <a:p>
-              <a:pPr algn="ctr"/>
-              <a:endParaRPr lang="zh-CN" altLang="en-US"/>
-            </a:p>
-          </p:txBody>
-        </p:sp>
-        <p:sp>
-          <p:nvSpPr>
-            <p:cNvPr id="15" name="矩形 14">
-              <a:extLst>
-                <a:ext uri="{FF2B5EF4-FFF2-40B4-BE49-F238E27FC236}">
-                  <a16:creationId xmlns:a16="http://schemas.microsoft.com/office/drawing/2014/main" id="{61CEF25C-1D23-4547-94A0-A4F3E6C9D2AA}"/>
-                </a:ext>
-              </a:extLst>
-            </p:cNvPr>
-            <p:cNvSpPr/>
-            <p:nvPr/>
-          </p:nvSpPr>
-          <p:spPr>
-            <a:xfrm>
-              <a:off x="6096000" y="1595940"/>
-              <a:ext cx="3518714" cy="2639036"/>
-            </a:xfrm>
-            <a:prstGeom prst="rect">
-              <a:avLst/>
-            </a:prstGeom>
-          </p:spPr>
-          <p:style>
-            <a:lnRef idx="2">
-              <a:schemeClr val="accent2"/>
-            </a:lnRef>
-            <a:fillRef idx="1">
-              <a:schemeClr val="lt1"/>
-            </a:fillRef>
-            <a:effectRef idx="0">
-              <a:schemeClr val="accent2"/>
-            </a:effectRef>
-            <a:fontRef idx="minor">
-              <a:schemeClr val="dk1"/>
-            </a:fontRef>
-          </p:style>
-          <p:txBody>
-            <a:bodyPr rtlCol="0" anchor="ctr"/>
-            <a:lstStyle/>
-            <a:p>
-              <a:pPr algn="ctr"/>
-              <a:endParaRPr lang="zh-CN" altLang="en-US"/>
-            </a:p>
-          </p:txBody>
-        </p:sp>
-      </p:grpSp>
       <p:sp>
         <p:nvSpPr>
           <p:cNvPr id="18" name="矩形: 圆角 17">
@@ -3861,7 +3648,7 @@
             <a:pPr algn="ctr"/>
             <a:r>
               <a:rPr lang="zh-CN" altLang="en-US" sz="1600" dirty="0"/>
-              <a:t>目标检测</a:t>
+              <a:t>运行</a:t>
             </a:r>
           </a:p>
         </p:txBody>
@@ -3880,8 +3667,8 @@
         </p:nvSpPr>
         <p:spPr>
           <a:xfrm>
-            <a:off x="4686151" y="898511"/>
-            <a:ext cx="2003504" cy="401273"/>
+            <a:off x="4686151" y="962110"/>
+            <a:ext cx="2003504" cy="274075"/>
           </a:xfrm>
           <a:prstGeom prst="rect">
             <a:avLst/>
@@ -3907,41 +3694,6 @@
           <a:p>
             <a:pPr algn="ctr"/>
             <a:endParaRPr lang="zh-CN" altLang="en-US"/>
-          </a:p>
-        </p:txBody>
-      </p:sp>
-      <p:sp>
-        <p:nvSpPr>
-          <p:cNvPr id="20" name="文本框 19">
-            <a:extLst>
-              <a:ext uri="{FF2B5EF4-FFF2-40B4-BE49-F238E27FC236}">
-                <a16:creationId xmlns:a16="http://schemas.microsoft.com/office/drawing/2014/main" id="{66C31E30-AC26-4B3E-8D00-30C2908DEA60}"/>
-              </a:ext>
-            </a:extLst>
-          </p:cNvPr>
-          <p:cNvSpPr txBox="1"/>
-          <p:nvPr/>
-        </p:nvSpPr>
-        <p:spPr>
-          <a:xfrm>
-            <a:off x="6324253" y="1930514"/>
-            <a:ext cx="1261884" cy="307777"/>
-          </a:xfrm>
-          <a:prstGeom prst="rect">
-            <a:avLst/>
-          </a:prstGeom>
-          <a:noFill/>
-        </p:spPr>
-        <p:txBody>
-          <a:bodyPr wrap="none" rtlCol="0">
-            <a:spAutoFit/>
-          </a:bodyPr>
-          <a:lstStyle/>
-          <a:p>
-            <a:r>
-              <a:rPr lang="zh-CN" altLang="en-US" sz="1400" dirty="0"/>
-              <a:t>绘制参数设置</a:t>
-            </a:r>
           </a:p>
         </p:txBody>
       </p:sp>
@@ -4159,7 +3911,7 @@
         <p:spPr>
           <a:xfrm>
             <a:off x="135957" y="56148"/>
-            <a:ext cx="1620957" cy="338554"/>
+            <a:ext cx="1005403" cy="338554"/>
           </a:xfrm>
           <a:prstGeom prst="rect">
             <a:avLst/>
@@ -4174,7 +3926,7 @@
           <a:p>
             <a:r>
               <a:rPr lang="zh-CN" altLang="en-US" sz="1600" dirty="0"/>
-              <a:t>单图片目标检测</a:t>
+              <a:t>目标检测</a:t>
             </a:r>
           </a:p>
         </p:txBody>
@@ -4209,7 +3961,7 @@
           <a:p>
             <a:r>
               <a:rPr lang="zh-CN" altLang="en-US" sz="1400" dirty="0"/>
-              <a:t>原图</a:t>
+              <a:t>原始</a:t>
             </a:r>
           </a:p>
         </p:txBody>
@@ -4249,6 +4001,616 @@
           </a:p>
         </p:txBody>
       </p:sp>
+      <p:grpSp>
+        <p:nvGrpSpPr>
+          <p:cNvPr id="6" name="组合 5">
+            <a:extLst>
+              <a:ext uri="{FF2B5EF4-FFF2-40B4-BE49-F238E27FC236}">
+                <a16:creationId xmlns:a16="http://schemas.microsoft.com/office/drawing/2014/main" id="{904B4A36-4D30-4265-84D8-D373C2C4E8B3}"/>
+              </a:ext>
+            </a:extLst>
+          </p:cNvPr>
+          <p:cNvGrpSpPr/>
+          <p:nvPr/>
+        </p:nvGrpSpPr>
+        <p:grpSpPr>
+          <a:xfrm>
+            <a:off x="2325034" y="1930514"/>
+            <a:ext cx="3518714" cy="3082038"/>
+            <a:chOff x="2325034" y="1930514"/>
+            <a:chExt cx="3518714" cy="3082038"/>
+          </a:xfrm>
+        </p:grpSpPr>
+        <p:sp>
+          <p:nvSpPr>
+            <p:cNvPr id="14" name="矩形 13">
+              <a:extLst>
+                <a:ext uri="{FF2B5EF4-FFF2-40B4-BE49-F238E27FC236}">
+                  <a16:creationId xmlns:a16="http://schemas.microsoft.com/office/drawing/2014/main" id="{C5D24C28-4C78-4F2D-A32E-FF0A21D72286}"/>
+                </a:ext>
+              </a:extLst>
+            </p:cNvPr>
+            <p:cNvSpPr/>
+            <p:nvPr/>
+          </p:nvSpPr>
+          <p:spPr>
+            <a:xfrm>
+              <a:off x="2325034" y="2227417"/>
+              <a:ext cx="3518714" cy="2639036"/>
+            </a:xfrm>
+            <a:prstGeom prst="rect">
+              <a:avLst/>
+            </a:prstGeom>
+          </p:spPr>
+          <p:style>
+            <a:lnRef idx="2">
+              <a:schemeClr val="accent5"/>
+            </a:lnRef>
+            <a:fillRef idx="1">
+              <a:schemeClr val="lt1"/>
+            </a:fillRef>
+            <a:effectRef idx="0">
+              <a:schemeClr val="accent5"/>
+            </a:effectRef>
+            <a:fontRef idx="minor">
+              <a:schemeClr val="dk1"/>
+            </a:fontRef>
+          </p:style>
+          <p:txBody>
+            <a:bodyPr rtlCol="0" anchor="ctr"/>
+            <a:lstStyle/>
+            <a:p>
+              <a:pPr algn="ctr"/>
+              <a:endParaRPr lang="zh-CN" altLang="en-US"/>
+            </a:p>
+          </p:txBody>
+        </p:sp>
+        <p:grpSp>
+          <p:nvGrpSpPr>
+            <p:cNvPr id="2" name="组合 1">
+              <a:extLst>
+                <a:ext uri="{FF2B5EF4-FFF2-40B4-BE49-F238E27FC236}">
+                  <a16:creationId xmlns:a16="http://schemas.microsoft.com/office/drawing/2014/main" id="{949EEBC3-AB1F-4CBC-BCCE-689DB8DAA8CE}"/>
+                </a:ext>
+              </a:extLst>
+            </p:cNvPr>
+            <p:cNvGrpSpPr/>
+            <p:nvPr/>
+          </p:nvGrpSpPr>
+          <p:grpSpPr>
+            <a:xfrm>
+              <a:off x="2325034" y="1930514"/>
+              <a:ext cx="3518714" cy="307777"/>
+              <a:chOff x="2325034" y="1930514"/>
+              <a:chExt cx="3518714" cy="307777"/>
+            </a:xfrm>
+          </p:grpSpPr>
+          <p:sp>
+            <p:nvSpPr>
+              <p:cNvPr id="29" name="矩形 28">
+                <a:extLst>
+                  <a:ext uri="{FF2B5EF4-FFF2-40B4-BE49-F238E27FC236}">
+                    <a16:creationId xmlns:a16="http://schemas.microsoft.com/office/drawing/2014/main" id="{053A971E-D851-4D52-8F91-D06E30FA51EA}"/>
+                  </a:ext>
+                </a:extLst>
+              </p:cNvPr>
+              <p:cNvSpPr/>
+              <p:nvPr/>
+            </p:nvSpPr>
+            <p:spPr>
+              <a:xfrm>
+                <a:off x="2325034" y="1941388"/>
+                <a:ext cx="3518714" cy="296903"/>
+              </a:xfrm>
+              <a:prstGeom prst="rect">
+                <a:avLst/>
+              </a:prstGeom>
+            </p:spPr>
+            <p:style>
+              <a:lnRef idx="2">
+                <a:schemeClr val="accent5"/>
+              </a:lnRef>
+              <a:fillRef idx="1">
+                <a:schemeClr val="lt1"/>
+              </a:fillRef>
+              <a:effectRef idx="0">
+                <a:schemeClr val="accent5"/>
+              </a:effectRef>
+              <a:fontRef idx="minor">
+                <a:schemeClr val="dk1"/>
+              </a:fontRef>
+            </p:style>
+            <p:txBody>
+              <a:bodyPr rtlCol="0" anchor="ctr"/>
+              <a:lstStyle/>
+              <a:p>
+                <a:pPr algn="ctr"/>
+                <a:endParaRPr lang="zh-CN" altLang="en-US"/>
+              </a:p>
+            </p:txBody>
+          </p:sp>
+          <p:sp>
+            <p:nvSpPr>
+              <p:cNvPr id="36" name="文本框 35">
+                <a:extLst>
+                  <a:ext uri="{FF2B5EF4-FFF2-40B4-BE49-F238E27FC236}">
+                    <a16:creationId xmlns:a16="http://schemas.microsoft.com/office/drawing/2014/main" id="{2D8FC734-F679-4DF0-BEA2-6FDECC022CCF}"/>
+                  </a:ext>
+                </a:extLst>
+              </p:cNvPr>
+              <p:cNvSpPr txBox="1"/>
+              <p:nvPr/>
+            </p:nvSpPr>
+            <p:spPr>
+              <a:xfrm>
+                <a:off x="2429818" y="1930514"/>
+                <a:ext cx="543739" cy="307777"/>
+              </a:xfrm>
+              <a:prstGeom prst="rect">
+                <a:avLst/>
+              </a:prstGeom>
+              <a:noFill/>
+            </p:spPr>
+            <p:txBody>
+              <a:bodyPr wrap="none" rtlCol="0">
+                <a:spAutoFit/>
+              </a:bodyPr>
+              <a:lstStyle/>
+              <a:p>
+                <a:r>
+                  <a:rPr lang="zh-CN" altLang="en-US" sz="1400" dirty="0"/>
+                  <a:t>亮度</a:t>
+                </a:r>
+              </a:p>
+            </p:txBody>
+          </p:sp>
+          <p:sp>
+            <p:nvSpPr>
+              <p:cNvPr id="37" name="文本框 36">
+                <a:extLst>
+                  <a:ext uri="{FF2B5EF4-FFF2-40B4-BE49-F238E27FC236}">
+                    <a16:creationId xmlns:a16="http://schemas.microsoft.com/office/drawing/2014/main" id="{EE587BF4-84AB-4C76-9F7C-DF8C8F5CD73F}"/>
+                  </a:ext>
+                </a:extLst>
+              </p:cNvPr>
+              <p:cNvSpPr txBox="1"/>
+              <p:nvPr/>
+            </p:nvSpPr>
+            <p:spPr>
+              <a:xfrm>
+                <a:off x="3023218" y="1930514"/>
+                <a:ext cx="723275" cy="307777"/>
+              </a:xfrm>
+              <a:prstGeom prst="rect">
+                <a:avLst/>
+              </a:prstGeom>
+              <a:noFill/>
+            </p:spPr>
+            <p:txBody>
+              <a:bodyPr wrap="none" rtlCol="0">
+                <a:spAutoFit/>
+              </a:bodyPr>
+              <a:lstStyle/>
+              <a:p>
+                <a:r>
+                  <a:rPr lang="zh-CN" altLang="en-US" sz="1400" dirty="0"/>
+                  <a:t>对比度</a:t>
+                </a:r>
+              </a:p>
+            </p:txBody>
+          </p:sp>
+        </p:grpSp>
+        <p:grpSp>
+          <p:nvGrpSpPr>
+            <p:cNvPr id="5" name="组合 4">
+              <a:extLst>
+                <a:ext uri="{FF2B5EF4-FFF2-40B4-BE49-F238E27FC236}">
+                  <a16:creationId xmlns:a16="http://schemas.microsoft.com/office/drawing/2014/main" id="{7725F791-E122-4A3E-AF4A-89602BE7D39A}"/>
+                </a:ext>
+              </a:extLst>
+            </p:cNvPr>
+            <p:cNvGrpSpPr/>
+            <p:nvPr/>
+          </p:nvGrpSpPr>
+          <p:grpSpPr>
+            <a:xfrm>
+              <a:off x="2325034" y="4866454"/>
+              <a:ext cx="3518714" cy="146098"/>
+              <a:chOff x="2325034" y="4866454"/>
+              <a:chExt cx="3518714" cy="146098"/>
+            </a:xfrm>
+          </p:grpSpPr>
+          <p:sp>
+            <p:nvSpPr>
+              <p:cNvPr id="23" name="矩形 22">
+                <a:extLst>
+                  <a:ext uri="{FF2B5EF4-FFF2-40B4-BE49-F238E27FC236}">
+                    <a16:creationId xmlns:a16="http://schemas.microsoft.com/office/drawing/2014/main" id="{4367EA98-1148-49D2-BE45-FBB5929FAACF}"/>
+                  </a:ext>
+                </a:extLst>
+              </p:cNvPr>
+              <p:cNvSpPr/>
+              <p:nvPr/>
+            </p:nvSpPr>
+            <p:spPr>
+              <a:xfrm>
+                <a:off x="2325034" y="4866454"/>
+                <a:ext cx="3518714" cy="146098"/>
+              </a:xfrm>
+              <a:prstGeom prst="rect">
+                <a:avLst/>
+              </a:prstGeom>
+            </p:spPr>
+            <p:style>
+              <a:lnRef idx="2">
+                <a:schemeClr val="accent5"/>
+              </a:lnRef>
+              <a:fillRef idx="1">
+                <a:schemeClr val="lt1"/>
+              </a:fillRef>
+              <a:effectRef idx="0">
+                <a:schemeClr val="accent5"/>
+              </a:effectRef>
+              <a:fontRef idx="minor">
+                <a:schemeClr val="dk1"/>
+              </a:fontRef>
+            </p:style>
+            <p:txBody>
+              <a:bodyPr rtlCol="0" anchor="ctr"/>
+              <a:lstStyle/>
+              <a:p>
+                <a:pPr algn="ctr"/>
+                <a:endParaRPr lang="zh-CN" altLang="en-US"/>
+              </a:p>
+            </p:txBody>
+          </p:sp>
+          <p:sp>
+            <p:nvSpPr>
+              <p:cNvPr id="38" name="文本框 37">
+                <a:extLst>
+                  <a:ext uri="{FF2B5EF4-FFF2-40B4-BE49-F238E27FC236}">
+                    <a16:creationId xmlns:a16="http://schemas.microsoft.com/office/drawing/2014/main" id="{221F7640-CAE2-4A7E-B90D-990081443371}"/>
+                  </a:ext>
+                </a:extLst>
+              </p:cNvPr>
+              <p:cNvSpPr txBox="1"/>
+              <p:nvPr/>
+            </p:nvSpPr>
+            <p:spPr>
+              <a:xfrm>
+                <a:off x="4765579" y="4877947"/>
+                <a:ext cx="973023" cy="123111"/>
+              </a:xfrm>
+              <a:prstGeom prst="rect">
+                <a:avLst/>
+              </a:prstGeom>
+              <a:noFill/>
+            </p:spPr>
+            <p:txBody>
+              <a:bodyPr wrap="none" lIns="0" tIns="0" rIns="0" bIns="0" rtlCol="0">
+                <a:spAutoFit/>
+              </a:bodyPr>
+              <a:lstStyle/>
+              <a:p>
+                <a:r>
+                  <a:rPr lang="zh-CN" altLang="en-US" sz="800" dirty="0"/>
+                  <a:t>图片名称：</a:t>
+                </a:r>
+                <a:r>
+                  <a:rPr lang="en-US" altLang="zh-CN" sz="800" dirty="0" err="1"/>
+                  <a:t>xxxxxx.img</a:t>
+                </a:r>
+                <a:endParaRPr lang="zh-CN" altLang="en-US" sz="800" dirty="0"/>
+              </a:p>
+            </p:txBody>
+          </p:sp>
+        </p:grpSp>
+      </p:grpSp>
+      <p:grpSp>
+        <p:nvGrpSpPr>
+          <p:cNvPr id="7" name="组合 6">
+            <a:extLst>
+              <a:ext uri="{FF2B5EF4-FFF2-40B4-BE49-F238E27FC236}">
+                <a16:creationId xmlns:a16="http://schemas.microsoft.com/office/drawing/2014/main" id="{A5D2C3C4-28F8-4395-AD61-A5D98CE39BD0}"/>
+              </a:ext>
+            </a:extLst>
+          </p:cNvPr>
+          <p:cNvGrpSpPr/>
+          <p:nvPr/>
+        </p:nvGrpSpPr>
+        <p:grpSpPr>
+          <a:xfrm>
+            <a:off x="6154655" y="1930514"/>
+            <a:ext cx="3518714" cy="3082038"/>
+            <a:chOff x="6154655" y="1930514"/>
+            <a:chExt cx="3518714" cy="3082038"/>
+          </a:xfrm>
+        </p:grpSpPr>
+        <p:sp>
+          <p:nvSpPr>
+            <p:cNvPr id="15" name="矩形 14">
+              <a:extLst>
+                <a:ext uri="{FF2B5EF4-FFF2-40B4-BE49-F238E27FC236}">
+                  <a16:creationId xmlns:a16="http://schemas.microsoft.com/office/drawing/2014/main" id="{61CEF25C-1D23-4547-94A0-A4F3E6C9D2AA}"/>
+                </a:ext>
+              </a:extLst>
+            </p:cNvPr>
+            <p:cNvSpPr/>
+            <p:nvPr/>
+          </p:nvSpPr>
+          <p:spPr>
+            <a:xfrm>
+              <a:off x="6154655" y="2227417"/>
+              <a:ext cx="3518714" cy="2639036"/>
+            </a:xfrm>
+            <a:prstGeom prst="rect">
+              <a:avLst/>
+            </a:prstGeom>
+          </p:spPr>
+          <p:style>
+            <a:lnRef idx="2">
+              <a:schemeClr val="accent2"/>
+            </a:lnRef>
+            <a:fillRef idx="1">
+              <a:schemeClr val="lt1"/>
+            </a:fillRef>
+            <a:effectRef idx="0">
+              <a:schemeClr val="accent2"/>
+            </a:effectRef>
+            <a:fontRef idx="minor">
+              <a:schemeClr val="dk1"/>
+            </a:fontRef>
+          </p:style>
+          <p:txBody>
+            <a:bodyPr rtlCol="0" anchor="ctr"/>
+            <a:lstStyle/>
+            <a:p>
+              <a:pPr algn="ctr"/>
+              <a:endParaRPr lang="zh-CN" altLang="en-US"/>
+            </a:p>
+          </p:txBody>
+        </p:sp>
+        <p:grpSp>
+          <p:nvGrpSpPr>
+            <p:cNvPr id="3" name="组合 2">
+              <a:extLst>
+                <a:ext uri="{FF2B5EF4-FFF2-40B4-BE49-F238E27FC236}">
+                  <a16:creationId xmlns:a16="http://schemas.microsoft.com/office/drawing/2014/main" id="{6FCFD32D-DD4D-4E05-808D-31F7B18F13D3}"/>
+                </a:ext>
+              </a:extLst>
+            </p:cNvPr>
+            <p:cNvGrpSpPr/>
+            <p:nvPr/>
+          </p:nvGrpSpPr>
+          <p:grpSpPr>
+            <a:xfrm>
+              <a:off x="6154655" y="1930514"/>
+              <a:ext cx="3518714" cy="307777"/>
+              <a:chOff x="6154655" y="1930514"/>
+              <a:chExt cx="3518714" cy="307777"/>
+            </a:xfrm>
+          </p:grpSpPr>
+          <p:sp>
+            <p:nvSpPr>
+              <p:cNvPr id="30" name="矩形 29">
+                <a:extLst>
+                  <a:ext uri="{FF2B5EF4-FFF2-40B4-BE49-F238E27FC236}">
+                    <a16:creationId xmlns:a16="http://schemas.microsoft.com/office/drawing/2014/main" id="{A608D1CE-D07A-4BE8-9D5F-9256F2251317}"/>
+                  </a:ext>
+                </a:extLst>
+              </p:cNvPr>
+              <p:cNvSpPr/>
+              <p:nvPr/>
+            </p:nvSpPr>
+            <p:spPr>
+              <a:xfrm>
+                <a:off x="6154655" y="1941388"/>
+                <a:ext cx="3518714" cy="286029"/>
+              </a:xfrm>
+              <a:prstGeom prst="rect">
+                <a:avLst/>
+              </a:prstGeom>
+            </p:spPr>
+            <p:style>
+              <a:lnRef idx="2">
+                <a:schemeClr val="accent2"/>
+              </a:lnRef>
+              <a:fillRef idx="1">
+                <a:schemeClr val="lt1"/>
+              </a:fillRef>
+              <a:effectRef idx="0">
+                <a:schemeClr val="accent2"/>
+              </a:effectRef>
+              <a:fontRef idx="minor">
+                <a:schemeClr val="dk1"/>
+              </a:fontRef>
+            </p:style>
+            <p:txBody>
+              <a:bodyPr rtlCol="0" anchor="ctr"/>
+              <a:lstStyle/>
+              <a:p>
+                <a:pPr algn="ctr"/>
+                <a:endParaRPr lang="zh-CN" altLang="en-US"/>
+              </a:p>
+            </p:txBody>
+          </p:sp>
+          <p:sp>
+            <p:nvSpPr>
+              <p:cNvPr id="20" name="文本框 19">
+                <a:extLst>
+                  <a:ext uri="{FF2B5EF4-FFF2-40B4-BE49-F238E27FC236}">
+                    <a16:creationId xmlns:a16="http://schemas.microsoft.com/office/drawing/2014/main" id="{66C31E30-AC26-4B3E-8D00-30C2908DEA60}"/>
+                  </a:ext>
+                </a:extLst>
+              </p:cNvPr>
+              <p:cNvSpPr txBox="1"/>
+              <p:nvPr/>
+            </p:nvSpPr>
+            <p:spPr>
+              <a:xfrm>
+                <a:off x="6324253" y="1930514"/>
+                <a:ext cx="543739" cy="307777"/>
+              </a:xfrm>
+              <a:prstGeom prst="rect">
+                <a:avLst/>
+              </a:prstGeom>
+              <a:noFill/>
+            </p:spPr>
+            <p:txBody>
+              <a:bodyPr wrap="none" rtlCol="0">
+                <a:spAutoFit/>
+              </a:bodyPr>
+              <a:lstStyle/>
+              <a:p>
+                <a:r>
+                  <a:rPr lang="zh-CN" altLang="en-US" sz="1400" dirty="0"/>
+                  <a:t>笔刷</a:t>
+                </a:r>
+              </a:p>
+            </p:txBody>
+          </p:sp>
+          <p:sp>
+            <p:nvSpPr>
+              <p:cNvPr id="25" name="文本框 24">
+                <a:extLst>
+                  <a:ext uri="{FF2B5EF4-FFF2-40B4-BE49-F238E27FC236}">
+                    <a16:creationId xmlns:a16="http://schemas.microsoft.com/office/drawing/2014/main" id="{2CC4595C-97BD-4A42-A95D-28FCB6B42D50}"/>
+                  </a:ext>
+                </a:extLst>
+              </p:cNvPr>
+              <p:cNvSpPr txBox="1"/>
+              <p:nvPr/>
+            </p:nvSpPr>
+            <p:spPr>
+              <a:xfrm>
+                <a:off x="6917653" y="1930514"/>
+                <a:ext cx="543739" cy="307777"/>
+              </a:xfrm>
+              <a:prstGeom prst="rect">
+                <a:avLst/>
+              </a:prstGeom>
+              <a:noFill/>
+            </p:spPr>
+            <p:txBody>
+              <a:bodyPr wrap="none" rtlCol="0">
+                <a:spAutoFit/>
+              </a:bodyPr>
+              <a:lstStyle/>
+              <a:p>
+                <a:r>
+                  <a:rPr lang="zh-CN" altLang="en-US" sz="1400" dirty="0"/>
+                  <a:t>标签</a:t>
+                </a:r>
+              </a:p>
+            </p:txBody>
+          </p:sp>
+        </p:grpSp>
+        <p:grpSp>
+          <p:nvGrpSpPr>
+            <p:cNvPr id="4" name="组合 3">
+              <a:extLst>
+                <a:ext uri="{FF2B5EF4-FFF2-40B4-BE49-F238E27FC236}">
+                  <a16:creationId xmlns:a16="http://schemas.microsoft.com/office/drawing/2014/main" id="{F905AC04-1555-4309-848E-8245E377B18A}"/>
+                </a:ext>
+              </a:extLst>
+            </p:cNvPr>
+            <p:cNvGrpSpPr/>
+            <p:nvPr/>
+          </p:nvGrpSpPr>
+          <p:grpSpPr>
+            <a:xfrm>
+              <a:off x="6154655" y="4866454"/>
+              <a:ext cx="3518714" cy="146098"/>
+              <a:chOff x="6154655" y="4866454"/>
+              <a:chExt cx="3518714" cy="146098"/>
+            </a:xfrm>
+          </p:grpSpPr>
+          <p:sp>
+            <p:nvSpPr>
+              <p:cNvPr id="24" name="矩形 23">
+                <a:extLst>
+                  <a:ext uri="{FF2B5EF4-FFF2-40B4-BE49-F238E27FC236}">
+                    <a16:creationId xmlns:a16="http://schemas.microsoft.com/office/drawing/2014/main" id="{ED59FB3C-59F4-448B-B7E0-F20FA1E8C05D}"/>
+                  </a:ext>
+                </a:extLst>
+              </p:cNvPr>
+              <p:cNvSpPr/>
+              <p:nvPr/>
+            </p:nvSpPr>
+            <p:spPr>
+              <a:xfrm>
+                <a:off x="6154655" y="4866454"/>
+                <a:ext cx="3518714" cy="146098"/>
+              </a:xfrm>
+              <a:prstGeom prst="rect">
+                <a:avLst/>
+              </a:prstGeom>
+            </p:spPr>
+            <p:style>
+              <a:lnRef idx="2">
+                <a:schemeClr val="accent2"/>
+              </a:lnRef>
+              <a:fillRef idx="1">
+                <a:schemeClr val="lt1"/>
+              </a:fillRef>
+              <a:effectRef idx="0">
+                <a:schemeClr val="accent2"/>
+              </a:effectRef>
+              <a:fontRef idx="minor">
+                <a:schemeClr val="dk1"/>
+              </a:fontRef>
+            </p:style>
+            <p:txBody>
+              <a:bodyPr rtlCol="0" anchor="ctr"/>
+              <a:lstStyle/>
+              <a:p>
+                <a:pPr algn="ctr"/>
+                <a:endParaRPr lang="zh-CN" altLang="en-US"/>
+              </a:p>
+            </p:txBody>
+          </p:sp>
+          <p:sp>
+            <p:nvSpPr>
+              <p:cNvPr id="39" name="文本框 38">
+                <a:extLst>
+                  <a:ext uri="{FF2B5EF4-FFF2-40B4-BE49-F238E27FC236}">
+                    <a16:creationId xmlns:a16="http://schemas.microsoft.com/office/drawing/2014/main" id="{B6EAA888-86D8-4320-9137-A1C53DD03B96}"/>
+                  </a:ext>
+                </a:extLst>
+              </p:cNvPr>
+              <p:cNvSpPr txBox="1"/>
+              <p:nvPr/>
+            </p:nvSpPr>
+            <p:spPr>
+              <a:xfrm>
+                <a:off x="8557335" y="4877947"/>
+                <a:ext cx="973023" cy="123111"/>
+              </a:xfrm>
+              <a:prstGeom prst="rect">
+                <a:avLst/>
+              </a:prstGeom>
+              <a:noFill/>
+            </p:spPr>
+            <p:txBody>
+              <a:bodyPr wrap="none" lIns="0" tIns="0" rIns="0" bIns="0" rtlCol="0">
+                <a:spAutoFit/>
+              </a:bodyPr>
+              <a:lstStyle/>
+              <a:p>
+                <a:r>
+                  <a:rPr lang="zh-CN" altLang="en-US" sz="800" dirty="0"/>
+                  <a:t>图片名称：</a:t>
+                </a:r>
+                <a:r>
+                  <a:rPr lang="en-US" altLang="zh-CN" sz="800" dirty="0" err="1"/>
+                  <a:t>xxxxxx.img</a:t>
+                </a:r>
+                <a:endParaRPr lang="zh-CN" altLang="en-US" sz="800" dirty="0"/>
+              </a:p>
+            </p:txBody>
+          </p:sp>
+        </p:grpSp>
+      </p:grpSp>
     </p:spTree>
     <p:extLst>
       <p:ext uri="{BB962C8B-B14F-4D97-AF65-F5344CB8AC3E}">
